--- a/Modern_backends_for_mobile_apps.pptx
+++ b/Modern_backends_for_mobile_apps.pptx
@@ -6556,7 +6556,7 @@
         <p:spPr>
           <a:xfrm>
             <a:off x="1524000" y="389965"/>
-            <a:ext cx="9144000" cy="3119998"/>
+            <a:ext cx="10255624" cy="3119998"/>
           </a:xfrm>
         </p:spPr>
         <p:txBody>
@@ -6586,12 +6586,20 @@
               <a:t>App</a:t>
             </a:r>
             <a:r>
-              <a:rPr lang="en-US" dirty="0"/>
+              <a:rPr lang="en-US"/>
               <a:t>: </a:t>
             </a:r>
             <a:r>
+              <a:rPr lang="en-US" smtClean="0"/>
+              <a:t>  </a:t>
+            </a:r>
+            <a:r>
+              <a:rPr lang="en-US" sz="5300" smtClean="0"/>
+              <a:t>https</a:t>
+            </a:r>
+            <a:r>
               <a:rPr lang="en-US" sz="5300" dirty="0" smtClean="0"/>
-              <a:t>https://</a:t>
+              <a:t>://</a:t>
             </a:r>
             <a:r>
               <a:rPr lang="en-US" sz="5300" dirty="0" err="1" smtClean="0"/>
@@ -6614,7 +6622,15 @@
             </a:r>
             <a:r>
               <a:rPr lang="en-US" sz="5300" dirty="0" smtClean="0"/>
-              <a:t>&lt;&lt; TODO &gt;&gt;</a:t>
+              <a:t>https://</a:t>
+            </a:r>
+            <a:r>
+              <a:rPr lang="en-US" sz="5300" dirty="0" err="1"/>
+              <a:t>s.sashag.net</a:t>
+            </a:r>
+            <a:r>
+              <a:rPr lang="en-US" sz="5300" dirty="0"/>
+              <a:t>/shoppy16src</a:t>
             </a:r>
             <a:endParaRPr lang="en-US" dirty="0"/>
           </a:p>

--- a/Modern_backends_for_mobile_apps.pptx
+++ b/Modern_backends_for_mobile_apps.pptx
@@ -118,6 +118,11 @@
       </a:defRPr>
     </a:lvl9pPr>
   </p:defaultTextStyle>
+  <p:extLst>
+    <p:ext uri="{EFAFB233-063F-42B5-8137-9DF3F51BA10A}">
+      <p15:sldGuideLst xmlns:p15="http://schemas.microsoft.com/office/powerpoint/2012/main"/>
+    </p:ext>
+  </p:extLst>
 </p:presentation>
 </file>
 
@@ -252,7 +257,7 @@
           <a:p>
             <a:fld id="{6B5DBF38-2ACD-B24B-9FCF-26A82121A027}" type="datetimeFigureOut">
               <a:rPr lang="en-US" smtClean="0"/>
-              <a:t>4/6/16</a:t>
+              <a:t>4/12/16</a:t>
             </a:fld>
             <a:endParaRPr lang="en-US"/>
           </a:p>
@@ -427,7 +432,7 @@
           <a:p>
             <a:fld id="{6B5DBF38-2ACD-B24B-9FCF-26A82121A027}" type="datetimeFigureOut">
               <a:rPr lang="en-US" smtClean="0"/>
-              <a:t>4/6/16</a:t>
+              <a:t>4/12/16</a:t>
             </a:fld>
             <a:endParaRPr lang="en-US"/>
           </a:p>
@@ -607,7 +612,7 @@
           <a:p>
             <a:fld id="{6B5DBF38-2ACD-B24B-9FCF-26A82121A027}" type="datetimeFigureOut">
               <a:rPr lang="en-US" smtClean="0"/>
-              <a:t>4/6/16</a:t>
+              <a:t>4/12/16</a:t>
             </a:fld>
             <a:endParaRPr lang="en-US"/>
           </a:p>
@@ -782,7 +787,7 @@
           <a:p>
             <a:fld id="{6B5DBF38-2ACD-B24B-9FCF-26A82121A027}" type="datetimeFigureOut">
               <a:rPr lang="en-US" smtClean="0"/>
-              <a:t>4/6/16</a:t>
+              <a:t>4/12/16</a:t>
             </a:fld>
             <a:endParaRPr lang="en-US"/>
           </a:p>
@@ -1028,7 +1033,7 @@
           <a:p>
             <a:fld id="{6B5DBF38-2ACD-B24B-9FCF-26A82121A027}" type="datetimeFigureOut">
               <a:rPr lang="en-US" smtClean="0"/>
-              <a:t>4/6/16</a:t>
+              <a:t>4/12/16</a:t>
             </a:fld>
             <a:endParaRPr lang="en-US"/>
           </a:p>
@@ -1265,7 +1270,7 @@
           <a:p>
             <a:fld id="{6B5DBF38-2ACD-B24B-9FCF-26A82121A027}" type="datetimeFigureOut">
               <a:rPr lang="en-US" smtClean="0"/>
-              <a:t>4/6/16</a:t>
+              <a:t>4/12/16</a:t>
             </a:fld>
             <a:endParaRPr lang="en-US"/>
           </a:p>
@@ -1632,7 +1637,7 @@
           <a:p>
             <a:fld id="{6B5DBF38-2ACD-B24B-9FCF-26A82121A027}" type="datetimeFigureOut">
               <a:rPr lang="en-US" smtClean="0"/>
-              <a:t>4/6/16</a:t>
+              <a:t>4/12/16</a:t>
             </a:fld>
             <a:endParaRPr lang="en-US"/>
           </a:p>
@@ -1750,7 +1755,7 @@
           <a:p>
             <a:fld id="{6B5DBF38-2ACD-B24B-9FCF-26A82121A027}" type="datetimeFigureOut">
               <a:rPr lang="en-US" smtClean="0"/>
-              <a:t>4/6/16</a:t>
+              <a:t>4/12/16</a:t>
             </a:fld>
             <a:endParaRPr lang="en-US"/>
           </a:p>
@@ -1845,7 +1850,7 @@
           <a:p>
             <a:fld id="{6B5DBF38-2ACD-B24B-9FCF-26A82121A027}" type="datetimeFigureOut">
               <a:rPr lang="en-US" smtClean="0"/>
-              <a:t>4/6/16</a:t>
+              <a:t>4/12/16</a:t>
             </a:fld>
             <a:endParaRPr lang="en-US"/>
           </a:p>
@@ -2122,7 +2127,7 @@
           <a:p>
             <a:fld id="{6B5DBF38-2ACD-B24B-9FCF-26A82121A027}" type="datetimeFigureOut">
               <a:rPr lang="en-US" smtClean="0"/>
-              <a:t>4/6/16</a:t>
+              <a:t>4/12/16</a:t>
             </a:fld>
             <a:endParaRPr lang="en-US"/>
           </a:p>
@@ -2379,7 +2384,7 @@
           <a:p>
             <a:fld id="{6B5DBF38-2ACD-B24B-9FCF-26A82121A027}" type="datetimeFigureOut">
               <a:rPr lang="en-US" smtClean="0"/>
-              <a:t>4/6/16</a:t>
+              <a:t>4/12/16</a:t>
             </a:fld>
             <a:endParaRPr lang="en-US"/>
           </a:p>
@@ -2592,7 +2597,7 @@
           <a:p>
             <a:fld id="{6B5DBF38-2ACD-B24B-9FCF-26A82121A027}" type="datetimeFigureOut">
               <a:rPr lang="en-US" smtClean="0"/>
-              <a:t>4/6/16</a:t>
+              <a:t>4/12/16</a:t>
             </a:fld>
             <a:endParaRPr lang="en-US"/>
           </a:p>
@@ -6422,15 +6427,7 @@
                           <a:ea typeface="Calibri" charset="0"/>
                           <a:cs typeface="Calibri" charset="0"/>
                         </a:rPr>
-                        <a:t>Windows </a:t>
-                      </a:r>
-                      <a:r>
-                        <a:rPr lang="en-US" sz="2400" dirty="0" smtClean="0">
-                          <a:latin typeface="Calibri" charset="0"/>
-                          <a:ea typeface="Calibri" charset="0"/>
-                          <a:cs typeface="Calibri" charset="0"/>
-                        </a:rPr>
-                        <a:t>10</a:t>
+                        <a:t>Windows 10</a:t>
                       </a:r>
                       <a:endParaRPr lang="en-US" sz="2400" dirty="0">
                         <a:latin typeface="Calibri" charset="0"/>
@@ -6586,20 +6583,16 @@
               <a:t>App</a:t>
             </a:r>
             <a:r>
-              <a:rPr lang="en-US"/>
+              <a:rPr lang="en-US" dirty="0"/>
               <a:t>: </a:t>
             </a:r>
             <a:r>
-              <a:rPr lang="en-US" smtClean="0"/>
+              <a:rPr lang="en-US" dirty="0" smtClean="0"/>
               <a:t>  </a:t>
             </a:r>
             <a:r>
-              <a:rPr lang="en-US" sz="5300" smtClean="0"/>
-              <a:t>https</a:t>
-            </a:r>
-            <a:r>
               <a:rPr lang="en-US" sz="5300" dirty="0" smtClean="0"/>
-              <a:t>://</a:t>
+              <a:t>https://</a:t>
             </a:r>
             <a:r>
               <a:rPr lang="en-US" sz="5300" dirty="0" err="1" smtClean="0"/>
@@ -7134,7 +7127,6 @@
               <a:rPr lang="en-US" dirty="0" smtClean="0"/>
               <a:t>Universal Windows Platform</a:t>
             </a:r>
-            <a:endParaRPr lang="en-US" dirty="0" smtClean="0"/>
           </a:p>
           <a:p>
             <a:r>
@@ -7906,15 +7898,7 @@
                 <a:ea typeface="Calibri" charset="0"/>
                 <a:cs typeface="Calibri" charset="0"/>
               </a:rPr>
-              <a:t>SQL </a:t>
-            </a:r>
-            <a:r>
-              <a:rPr lang="en-US" dirty="0" smtClean="0">
-                <a:latin typeface="Calibri" charset="0"/>
-                <a:ea typeface="Calibri" charset="0"/>
-                <a:cs typeface="Calibri" charset="0"/>
-              </a:rPr>
-              <a:t>database</a:t>
+              <a:t>SQL database</a:t>
             </a:r>
             <a:endParaRPr lang="en-US" dirty="0">
               <a:latin typeface="Calibri" charset="0"/>
@@ -8364,7 +8348,7 @@
         </p:nvSpPr>
         <p:spPr>
           <a:xfrm>
-            <a:off x="11353800" y="3079108"/>
+            <a:off x="11015786" y="3185160"/>
             <a:ext cx="1207008" cy="1572768"/>
           </a:xfrm>
           <a:prstGeom prst="can">
